--- a/fig.pptx
+++ b/fig.pptx
@@ -3039,8 +3039,8 @@
         </p:nvSpPr>
         <p:spPr>
           <a:xfrm>
-            <a:off x="5486400" y="2017080"/>
-            <a:ext cx="640080" cy="176040"/>
+            <a:off x="5386680" y="2017080"/>
+            <a:ext cx="805320" cy="176040"/>
           </a:xfrm>
           <a:prstGeom prst="rect">
             <a:avLst/>
@@ -3058,11 +3058,14 @@
           <a:p>
             <a:pPr algn="ctr"/>
             <a:r>
-              <a:rPr lang="en-US" sz="600" b="0" strike="noStrike" spc="-1">
+              <a:rPr lang="en-US" sz="600" b="0" strike="noStrike" spc="-1" dirty="0" err="1">
                 <a:latin typeface="Arial"/>
               </a:rPr>
-              <a:t>m_per_cell</a:t>
+              <a:t>meter_per_cell</a:t>
             </a:r>
+            <a:endParaRPr lang="en-US" sz="600" b="0" strike="noStrike" spc="-1" dirty="0">
+              <a:latin typeface="Arial"/>
+            </a:endParaRPr>
           </a:p>
         </p:txBody>
       </p:sp>
@@ -3199,11 +3202,20 @@
           <a:p>
             <a:pPr algn="ctr"/>
             <a:r>
-              <a:rPr lang="en-US" sz="600" b="0" strike="noStrike" spc="-1">
+              <a:rPr lang="en-US" sz="600" spc="-1" dirty="0" err="1">
                 <a:latin typeface="Arial"/>
               </a:rPr>
-              <a:t>grid_dim</a:t>
+              <a:t>cell</a:t>
             </a:r>
+            <a:r>
+              <a:rPr lang="en-US" sz="600" b="0" strike="noStrike" spc="-1" dirty="0" err="1">
+                <a:latin typeface="Arial"/>
+              </a:rPr>
+              <a:t>_per_axis</a:t>
+            </a:r>
+            <a:endParaRPr lang="en-US" sz="600" b="0" strike="noStrike" spc="-1" dirty="0">
+              <a:latin typeface="Arial"/>
+            </a:endParaRPr>
           </a:p>
         </p:txBody>
       </p:sp>
@@ -3368,11 +3380,26 @@
           <a:lstStyle/>
           <a:p>
             <a:r>
-              <a:rPr lang="en-US" sz="600" b="0" strike="noStrike" spc="-1">
+              <a:rPr lang="en-US" sz="600" b="0" strike="noStrike" spc="-1" dirty="0">
                 <a:latin typeface="Arial"/>
               </a:rPr>
-              <a:t>h &gt; height_diff_threshold</a:t>
+              <a:t>h &gt;</a:t>
             </a:r>
+            <a:r>
+              <a:rPr lang="en-US" altLang="ja-JP" sz="600" b="0" strike="noStrike" spc="-1" dirty="0">
+                <a:latin typeface="Arial"/>
+              </a:rPr>
+              <a:t> </a:t>
+            </a:r>
+            <a:r>
+              <a:rPr lang="en-US" altLang="ja-JP" sz="600" b="0" strike="noStrike" spc="-1" dirty="0" err="1">
+                <a:latin typeface="Arial"/>
+              </a:rPr>
+              <a:t>min_obstacle_height</a:t>
+            </a:r>
+            <a:endParaRPr lang="en-US" sz="600" b="0" strike="noStrike" spc="-1" dirty="0">
+              <a:latin typeface="Arial"/>
+            </a:endParaRPr>
           </a:p>
         </p:txBody>
       </p:sp>
@@ -3629,11 +3656,20 @@
           <a:lstStyle/>
           <a:p>
             <a:r>
-              <a:rPr lang="en-US" sz="600" b="0" strike="noStrike" spc="-1">
+              <a:rPr lang="en-US" sz="600" b="0" strike="noStrike" spc="-1" dirty="0">
                 <a:latin typeface="Arial"/>
               </a:rPr>
-              <a:t>h &lt; height_diff_threshold</a:t>
+              <a:t>h &lt; </a:t>
             </a:r>
+            <a:r>
+              <a:rPr lang="en-US" sz="600" b="0" strike="noStrike" spc="-1" dirty="0" err="1">
+                <a:latin typeface="Arial"/>
+              </a:rPr>
+              <a:t>min_obstacle_height</a:t>
+            </a:r>
+            <a:endParaRPr lang="en-US" sz="600" b="0" strike="noStrike" spc="-1" dirty="0">
+              <a:latin typeface="Arial"/>
+            </a:endParaRPr>
           </a:p>
         </p:txBody>
       </p:sp>
@@ -3669,11 +3705,26 @@
           <a:lstStyle/>
           <a:p>
             <a:r>
-              <a:rPr lang="en-US" sz="600" b="0" strike="noStrike" spc="-1">
+              <a:rPr lang="en-US" sz="600" b="0" strike="noStrike" spc="-1" dirty="0">
                 <a:latin typeface="Arial"/>
               </a:rPr>
-              <a:t>h &gt; height_diff_threshold</a:t>
+              <a:t>h &gt;</a:t>
             </a:r>
+            <a:r>
+              <a:rPr lang="en-US" altLang="ja-JP" sz="600" b="0" strike="noStrike" spc="-1" dirty="0">
+                <a:latin typeface="Arial"/>
+              </a:rPr>
+              <a:t> </a:t>
+            </a:r>
+            <a:r>
+              <a:rPr lang="en-US" altLang="ja-JP" sz="600" b="0" strike="noStrike" spc="-1" dirty="0" err="1">
+                <a:latin typeface="Arial"/>
+              </a:rPr>
+              <a:t>min_obstacle_height</a:t>
+            </a:r>
+            <a:endParaRPr lang="en-US" sz="600" b="0" strike="noStrike" spc="-1" dirty="0">
+              <a:latin typeface="Arial"/>
+            </a:endParaRPr>
           </a:p>
         </p:txBody>
       </p:sp>
